--- a/slides/instruction/principleWindows_6.pptx
+++ b/slides/instruction/principleWindows_6.pptx
@@ -3406,7 +3406,7 @@
           <a:p>
             <a:fld id="{62B690D2-9F6C-4A40-B045-5871089CDE7B}" type="datetimeFigureOut">
               <a:rPr lang="zh-CN" altLang="en-US" smtClean="0"/>
-              <a:t>2020/10/27</a:t>
+              <a:t>2020/10/28</a:t>
             </a:fld>
             <a:endParaRPr lang="zh-CN" altLang="en-US"/>
           </a:p>
@@ -8799,6 +8799,10 @@
           </p:nvPr>
         </p:nvSpPr>
         <p:spPr>
+          <a:xfrm>
+            <a:off x="1825746" y="1822859"/>
+            <a:ext cx="8540508" cy="4772922"/>
+          </a:xfrm>
           <a:prstGeom prst="rect">
             <a:avLst/>
           </a:prstGeom>
@@ -8828,7 +8832,7 @@
               <a:buNone/>
             </a:pPr>
             <a:r>
-              <a:rPr lang="zh-CN" altLang="en-US" sz="2000" dirty="0"/>
+              <a:rPr lang="zh-CN" altLang="en-US" sz="1600" dirty="0"/>
               <a:t>(1)     代码装载速度快，执行速度略比动态链接库快； </a:t>
             </a:r>
           </a:p>
@@ -8840,10 +8844,10 @@
               <a:buNone/>
             </a:pPr>
             <a:r>
-              <a:rPr lang="zh-CN" altLang="en-US" sz="2000" dirty="0"/>
+              <a:rPr lang="zh-CN" altLang="en-US" sz="1600" dirty="0"/>
               <a:t>(2)     只需保证在开发者的计算机中有正确的.LIB文件，在以二进制形式发布程序时不需考虑在用户的计算机上.LIB文件是否存在及版本问题，可避免DLL地狱等问题。</a:t>
             </a:r>
-            <a:endParaRPr lang="en-US" altLang="zh-CN" sz="2000" dirty="0"/>
+            <a:endParaRPr lang="en-US" altLang="zh-CN" sz="1600" dirty="0"/>
           </a:p>
           <a:p>
             <a:pPr marL="0">
@@ -8866,7 +8870,11 @@
             </a:pPr>
             <a:r>
               <a:rPr lang="zh-CN" altLang="en-US" sz="2000" dirty="0"/>
-              <a:t>(1)     更加节省内存并减少页面交换； </a:t>
+              <a:t>(1)    </a:t>
+            </a:r>
+            <a:r>
+              <a:rPr lang="zh-CN" altLang="en-US" sz="1600" dirty="0"/>
+              <a:t> 更加节省内存并减少页面交换； </a:t>
             </a:r>
           </a:p>
           <a:p>
@@ -8877,7 +8885,7 @@
               <a:buNone/>
             </a:pPr>
             <a:r>
-              <a:rPr lang="zh-CN" altLang="en-US" sz="2000" dirty="0"/>
+              <a:rPr lang="zh-CN" altLang="en-US" sz="1600" dirty="0"/>
               <a:t>(2)     DLL文件与EXE文件独立，只要输出接口不变（即名称、参数、返回值类型和调用约定不变），更换DLL文件不会对EXE文件造成任何影响，因而极大地提高了可维护性和可扩展性； </a:t>
             </a:r>
           </a:p>
@@ -8889,7 +8897,7 @@
               <a:buNone/>
             </a:pPr>
             <a:r>
-              <a:rPr lang="zh-CN" altLang="en-US" sz="2000" dirty="0"/>
+              <a:rPr lang="zh-CN" altLang="en-US" sz="1600" dirty="0"/>
               <a:t>(3)     不同编程语言编写的程序只要按照函数调用约定就可以调用同一个DLL函数。</a:t>
             </a:r>
           </a:p>
@@ -8946,7 +8954,10 @@
           <a:bodyPr/>
           <a:lstStyle/>
           <a:p>
-            <a:endParaRPr lang="zh-CN" altLang="en-US"/>
+            <a:r>
+              <a:rPr lang="zh-CN" altLang="en-US" dirty="0"/>
+              <a:t>静态链接与动态链接二者优点及不足</a:t>
+            </a:r>
           </a:p>
         </p:txBody>
       </p:sp>
@@ -9058,7 +9069,7 @@
         </p:nvGrpSpPr>
         <p:grpSpPr>
           <a:xfrm>
-            <a:off x="88788" y="564545"/>
+            <a:off x="1198178" y="564545"/>
             <a:ext cx="3138115" cy="4874150"/>
             <a:chOff x="661283" y="1407380"/>
             <a:chExt cx="3138115" cy="4874150"/>
@@ -9724,7 +9735,7 @@
         </p:nvSpPr>
         <p:spPr>
           <a:xfrm>
-            <a:off x="1612125" y="1296066"/>
+            <a:off x="2721515" y="1296066"/>
             <a:ext cx="91439" cy="445273"/>
           </a:xfrm>
           <a:prstGeom prst="downArrow">
@@ -9782,7 +9793,7 @@
         </p:nvSpPr>
         <p:spPr>
           <a:xfrm>
-            <a:off x="1612124" y="2087230"/>
+            <a:off x="2721514" y="2087230"/>
             <a:ext cx="91439" cy="445273"/>
           </a:xfrm>
           <a:prstGeom prst="downArrow">
@@ -9840,7 +9851,7 @@
         </p:nvSpPr>
         <p:spPr>
           <a:xfrm>
-            <a:off x="1612124" y="2973791"/>
+            <a:off x="2721514" y="2973791"/>
             <a:ext cx="91439" cy="445273"/>
           </a:xfrm>
           <a:prstGeom prst="downArrow">
@@ -9898,7 +9909,7 @@
         </p:nvSpPr>
         <p:spPr>
           <a:xfrm>
-            <a:off x="1612124" y="3760970"/>
+            <a:off x="2721514" y="3760970"/>
             <a:ext cx="91439" cy="445273"/>
           </a:xfrm>
           <a:prstGeom prst="downArrow">
@@ -9956,7 +9967,7 @@
         </p:nvSpPr>
         <p:spPr>
           <a:xfrm>
-            <a:off x="1612124" y="4651516"/>
+            <a:off x="2721514" y="4651516"/>
             <a:ext cx="91439" cy="445273"/>
           </a:xfrm>
           <a:prstGeom prst="downArrow">
@@ -10014,7 +10025,7 @@
         </p:nvSpPr>
         <p:spPr>
           <a:xfrm>
-            <a:off x="1612124" y="5438695"/>
+            <a:off x="2721514" y="5438695"/>
             <a:ext cx="91439" cy="445273"/>
           </a:xfrm>
           <a:prstGeom prst="downArrow">
@@ -10072,7 +10083,7 @@
         </p:nvSpPr>
         <p:spPr>
           <a:xfrm>
-            <a:off x="976683" y="5883968"/>
+            <a:off x="2086073" y="5883968"/>
             <a:ext cx="1367625" cy="500924"/>
           </a:xfrm>
           <a:prstGeom prst="ellipse">
@@ -10185,7 +10196,7 @@
         </p:nvCxnSpPr>
         <p:spPr>
           <a:xfrm rot="16200000" flipH="1">
-            <a:off x="602973" y="4578629"/>
+            <a:off x="1712363" y="4578629"/>
             <a:ext cx="616226" cy="762000"/>
           </a:xfrm>
           <a:prstGeom prst="bentConnector2">
@@ -10216,7 +10227,7 @@
         </p:nvCxnSpPr>
         <p:spPr>
           <a:xfrm rot="5400000">
-            <a:off x="2096493" y="4578629"/>
+            <a:off x="3205883" y="4578629"/>
             <a:ext cx="616226" cy="762000"/>
           </a:xfrm>
           <a:prstGeom prst="bentConnector2">
@@ -10244,7 +10255,7 @@
         </p:nvGrpSpPr>
         <p:grpSpPr>
           <a:xfrm>
-            <a:off x="2214692" y="987970"/>
+            <a:off x="3324082" y="987970"/>
             <a:ext cx="1200971" cy="3355433"/>
             <a:chOff x="2787187" y="1393492"/>
             <a:chExt cx="1200971" cy="3355433"/>
@@ -10332,7 +10343,7 @@
         </p:nvSpPr>
         <p:spPr>
           <a:xfrm>
-            <a:off x="1612124" y="6384892"/>
+            <a:off x="2721514" y="6384892"/>
             <a:ext cx="1719473" cy="246491"/>
           </a:xfrm>
           <a:prstGeom prst="curvedUpArrow">
@@ -10390,7 +10401,7 @@
         </p:nvSpPr>
         <p:spPr>
           <a:xfrm>
-            <a:off x="2471860" y="5661331"/>
+            <a:off x="3581250" y="5661331"/>
             <a:ext cx="1559451" cy="723561"/>
           </a:xfrm>
           <a:prstGeom prst="rect">
@@ -10451,7 +10462,7 @@
         </p:nvSpPr>
         <p:spPr>
           <a:xfrm>
-            <a:off x="2957885" y="5883968"/>
+            <a:off x="4067275" y="5883968"/>
             <a:ext cx="970059" cy="421417"/>
           </a:xfrm>
           <a:prstGeom prst="ellipse">
@@ -10554,7 +10565,7 @@
         </p:nvSpPr>
         <p:spPr>
           <a:xfrm>
-            <a:off x="25246" y="4990743"/>
+            <a:off x="1134636" y="4990743"/>
             <a:ext cx="1163782" cy="276999"/>
           </a:xfrm>
           <a:prstGeom prst="rect">
@@ -10590,7 +10601,7 @@
         </p:nvSpPr>
         <p:spPr>
           <a:xfrm flipH="1">
-            <a:off x="4158863" y="5795664"/>
+            <a:off x="5268253" y="5795664"/>
             <a:ext cx="82490" cy="454893"/>
           </a:xfrm>
           <a:prstGeom prst="leftBrace">
@@ -10627,7 +10638,7 @@
         </p:nvSpPr>
         <p:spPr>
           <a:xfrm>
-            <a:off x="4031311" y="5883968"/>
+            <a:off x="5181025" y="5883968"/>
             <a:ext cx="1163782" cy="276999"/>
           </a:xfrm>
           <a:prstGeom prst="rect">
@@ -10663,7 +10674,7 @@
         </p:nvSpPr>
         <p:spPr>
           <a:xfrm>
-            <a:off x="976683" y="4467790"/>
+            <a:off x="2086073" y="4467790"/>
             <a:ext cx="173531" cy="1416178"/>
           </a:xfrm>
           <a:prstGeom prst="leftBrace">
@@ -10700,7 +10711,7 @@
         </p:nvSpPr>
         <p:spPr>
           <a:xfrm>
-            <a:off x="7098489" y="1613586"/>
+            <a:off x="7582592" y="1613586"/>
             <a:ext cx="91439" cy="445273"/>
           </a:xfrm>
           <a:prstGeom prst="downArrow">
@@ -10758,7 +10769,7 @@
         </p:nvSpPr>
         <p:spPr>
           <a:xfrm>
-            <a:off x="7098488" y="2404750"/>
+            <a:off x="7582591" y="2404750"/>
             <a:ext cx="91439" cy="520017"/>
           </a:xfrm>
           <a:prstGeom prst="downArrow">
@@ -10816,7 +10827,7 @@
         </p:nvSpPr>
         <p:spPr>
           <a:xfrm>
-            <a:off x="7098488" y="3712294"/>
+            <a:off x="7582591" y="3712294"/>
             <a:ext cx="91439" cy="497275"/>
           </a:xfrm>
           <a:prstGeom prst="downArrow">
@@ -10874,7 +10885,7 @@
         </p:nvSpPr>
         <p:spPr>
           <a:xfrm>
-            <a:off x="7098488" y="4586061"/>
+            <a:off x="7582591" y="4586061"/>
             <a:ext cx="91439" cy="828248"/>
           </a:xfrm>
           <a:prstGeom prst="downArrow">
@@ -10932,7 +10943,7 @@
         </p:nvGrpSpPr>
         <p:grpSpPr>
           <a:xfrm>
-            <a:off x="6421843" y="882065"/>
+            <a:off x="6905946" y="882065"/>
             <a:ext cx="1444727" cy="5034501"/>
             <a:chOff x="6421843" y="882065"/>
             <a:chExt cx="1444727" cy="5034501"/>
@@ -11417,7 +11428,7 @@
         </p:nvGrpSpPr>
         <p:grpSpPr>
           <a:xfrm>
-            <a:off x="7985058" y="1144092"/>
+            <a:off x="8469161" y="1144092"/>
             <a:ext cx="1200971" cy="3192485"/>
             <a:chOff x="2787187" y="1393492"/>
             <a:chExt cx="1200971" cy="3355433"/>
@@ -11505,7 +11516,7 @@
         </p:nvSpPr>
         <p:spPr>
           <a:xfrm>
-            <a:off x="7144207" y="5926514"/>
+            <a:off x="7628310" y="5926514"/>
             <a:ext cx="1719473" cy="246491"/>
           </a:xfrm>
           <a:prstGeom prst="curvedUpArrow">
@@ -11563,7 +11574,7 @@
         </p:nvSpPr>
         <p:spPr>
           <a:xfrm flipH="1">
-            <a:off x="9745193" y="3125331"/>
+            <a:off x="10229296" y="3125331"/>
             <a:ext cx="161073" cy="2778167"/>
           </a:xfrm>
           <a:prstGeom prst="leftBrace">
@@ -11600,7 +11611,7 @@
         </p:nvSpPr>
         <p:spPr>
           <a:xfrm>
-            <a:off x="9730255" y="4346046"/>
+            <a:off x="10214358" y="4346046"/>
             <a:ext cx="1163782" cy="276999"/>
           </a:xfrm>
           <a:prstGeom prst="rect">
@@ -11636,7 +11647,7 @@
         </p:nvGrpSpPr>
         <p:grpSpPr>
           <a:xfrm>
-            <a:off x="7902535" y="4965596"/>
+            <a:off x="8386638" y="4965596"/>
             <a:ext cx="1692307" cy="946198"/>
             <a:chOff x="8984568" y="5563082"/>
             <a:chExt cx="1692307" cy="946198"/>
@@ -11859,7 +11870,7 @@
         </p:nvSpPr>
         <p:spPr>
           <a:xfrm>
-            <a:off x="4524292" y="65619"/>
+            <a:off x="5253161" y="99237"/>
             <a:ext cx="1685677" cy="369332"/>
           </a:xfrm>
           <a:prstGeom prst="rect">
@@ -11884,56 +11895,6 @@
               </a:rPr>
               <a:t>一点补充</a:t>
             </a:r>
-          </a:p>
-        </p:txBody>
-      </p:sp>
-      <p:sp>
-        <p:nvSpPr>
-          <p:cNvPr id="22" name="文本占位符 21">
-            <a:extLst>
-              <a:ext uri="{FF2B5EF4-FFF2-40B4-BE49-F238E27FC236}">
-                <a16:creationId xmlns:a16="http://schemas.microsoft.com/office/drawing/2014/main" id="{5BE897B9-60B3-4F80-87DD-109D8082663E}"/>
-              </a:ext>
-            </a:extLst>
-          </p:cNvPr>
-          <p:cNvSpPr>
-            <a:spLocks noGrp="1"/>
-          </p:cNvSpPr>
-          <p:nvPr>
-            <p:ph type="body" sz="quarter" idx="10"/>
-          </p:nvPr>
-        </p:nvSpPr>
-        <p:spPr/>
-        <p:txBody>
-          <a:bodyPr/>
-          <a:lstStyle/>
-          <a:p>
-            <a:endParaRPr lang="zh-CN" altLang="en-US"/>
-          </a:p>
-        </p:txBody>
-      </p:sp>
-      <p:sp>
-        <p:nvSpPr>
-          <p:cNvPr id="23" name="标题 22">
-            <a:extLst>
-              <a:ext uri="{FF2B5EF4-FFF2-40B4-BE49-F238E27FC236}">
-                <a16:creationId xmlns:a16="http://schemas.microsoft.com/office/drawing/2014/main" id="{55ACE76E-D514-4BA2-8F74-D2B0B0CAA425}"/>
-              </a:ext>
-            </a:extLst>
-          </p:cNvPr>
-          <p:cNvSpPr>
-            <a:spLocks noGrp="1"/>
-          </p:cNvSpPr>
-          <p:nvPr>
-            <p:ph type="title" idx="4294967295"/>
-          </p:nvPr>
-        </p:nvSpPr>
-        <p:spPr/>
-        <p:txBody>
-          <a:bodyPr/>
-          <a:lstStyle/>
-          <a:p>
-            <a:endParaRPr lang="zh-CN" altLang="en-US"/>
           </a:p>
         </p:txBody>
       </p:sp>
@@ -11998,38 +11959,13 @@
       </p:sp>
       <p:sp>
         <p:nvSpPr>
-          <p:cNvPr id="2" name="文本占位符 1">
-            <a:extLst>
-              <a:ext uri="{FF2B5EF4-FFF2-40B4-BE49-F238E27FC236}">
-                <a16:creationId xmlns:a16="http://schemas.microsoft.com/office/drawing/2014/main" id="{757314C7-018C-492B-811A-BF9DB2F672C7}"/>
-              </a:ext>
-            </a:extLst>
-          </p:cNvPr>
-          <p:cNvSpPr>
-            <a:spLocks noGrp="1"/>
-          </p:cNvSpPr>
-          <p:nvPr>
-            <p:ph type="body" sz="quarter" idx="10"/>
-          </p:nvPr>
-        </p:nvSpPr>
-        <p:spPr/>
-        <p:txBody>
-          <a:bodyPr/>
-          <a:lstStyle/>
-          <a:p>
-            <a:endParaRPr lang="zh-CN" altLang="en-US"/>
-          </a:p>
-        </p:txBody>
-      </p:sp>
-      <p:sp>
-        <p:nvSpPr>
           <p:cNvPr id="3" name="矩形 2"/>
           <p:cNvSpPr/>
           <p:nvPr/>
         </p:nvSpPr>
         <p:spPr>
           <a:xfrm>
-            <a:off x="2586183" y="2142836"/>
+            <a:off x="3628334" y="2183177"/>
             <a:ext cx="5837382" cy="3426691"/>
           </a:xfrm>
           <a:prstGeom prst="rect">
@@ -12090,7 +12026,7 @@
         </p:nvGrpSpPr>
         <p:grpSpPr>
           <a:xfrm>
-            <a:off x="4608945" y="3038764"/>
+            <a:off x="5651096" y="3079105"/>
             <a:ext cx="1182254" cy="1413163"/>
             <a:chOff x="526473" y="3038764"/>
             <a:chExt cx="1182254" cy="1413163"/>
@@ -12376,7 +12312,7 @@
         </p:nvGrpSpPr>
         <p:grpSpPr>
           <a:xfrm>
-            <a:off x="2932546" y="3038764"/>
+            <a:off x="3974697" y="3079105"/>
             <a:ext cx="1182254" cy="1413163"/>
             <a:chOff x="526473" y="3038764"/>
             <a:chExt cx="1182254" cy="1413163"/>
@@ -12662,7 +12598,7 @@
         </p:nvGrpSpPr>
         <p:grpSpPr>
           <a:xfrm>
-            <a:off x="6285344" y="3038764"/>
+            <a:off x="7327495" y="3079105"/>
             <a:ext cx="1182254" cy="1413163"/>
             <a:chOff x="526473" y="3038764"/>
             <a:chExt cx="1182254" cy="1413163"/>
@@ -12948,7 +12884,7 @@
         </p:nvSpPr>
         <p:spPr>
           <a:xfrm>
-            <a:off x="7467598" y="3606845"/>
+            <a:off x="8509749" y="3647186"/>
             <a:ext cx="1256145" cy="276999"/>
           </a:xfrm>
           <a:prstGeom prst="rect">
@@ -12991,7 +12927,7 @@
         </p:nvSpPr>
         <p:spPr>
           <a:xfrm>
-            <a:off x="3756893" y="4756727"/>
+            <a:off x="4799044" y="4797068"/>
             <a:ext cx="3495962" cy="544946"/>
           </a:xfrm>
           <a:prstGeom prst="rect">
@@ -23597,7 +23533,7 @@
           <p:nvPr>
             <p:extLst>
               <p:ext uri="{D42A27DB-BD31-4B8C-83A1-F6EECF244321}">
-                <p14:modId xmlns:p14="http://schemas.microsoft.com/office/powerpoint/2010/main" val="382130122"/>
+                <p14:modId xmlns:p14="http://schemas.microsoft.com/office/powerpoint/2010/main" val="2744078645"/>
               </p:ext>
             </p:extLst>
           </p:nvPr>
@@ -25781,12 +25717,18 @@
                         </a:spcAft>
                       </a:pPr>
                       <a:r>
-                        <a:rPr lang="en-US" sz="2000" kern="0">
+                        <a:rPr lang="en-US" altLang="zh-CN" sz="2000" kern="0" dirty="0">
                           <a:effectLst/>
                         </a:rPr>
-                        <a:t>Const char*</a:t>
+                        <a:t>c</a:t>
                       </a:r>
-                      <a:endParaRPr lang="zh-CN" sz="2000" kern="100">
+                      <a:r>
+                        <a:rPr lang="en-US" sz="2000" kern="0" dirty="0">
+                          <a:effectLst/>
+                        </a:rPr>
+                        <a:t>onst char*</a:t>
+                      </a:r>
+                      <a:endParaRPr lang="zh-CN" sz="2000" kern="100" dirty="0">
                         <a:effectLst/>
                         <a:latin typeface="Calibri" panose="020F0502020204030204" pitchFamily="34" charset="0"/>
                         <a:ea typeface="宋体" panose="02010600030101010101" pitchFamily="2" charset="-122"/>
@@ -25807,12 +25749,18 @@
                         </a:spcAft>
                       </a:pPr>
                       <a:r>
-                        <a:rPr lang="en-US" sz="2000" kern="0">
+                        <a:rPr lang="en-US" sz="2000" kern="0" dirty="0" err="1">
                           <a:effectLst/>
                         </a:rPr>
-                        <a:t>System.String  </a:t>
+                        <a:t>System.String</a:t>
                       </a:r>
-                      <a:endParaRPr lang="zh-CN" sz="2000" kern="100">
+                      <a:r>
+                        <a:rPr lang="en-US" sz="2000" kern="0" dirty="0">
+                          <a:effectLst/>
+                        </a:rPr>
+                        <a:t>  </a:t>
+                      </a:r>
+                      <a:endParaRPr lang="zh-CN" sz="2000" kern="100" dirty="0">
                         <a:effectLst/>
                         <a:latin typeface="Calibri" panose="020F0502020204030204" pitchFamily="34" charset="0"/>
                         <a:ea typeface="宋体" panose="02010600030101010101" pitchFamily="2" charset="-122"/>
@@ -26043,12 +25991,24 @@
                         </a:spcAft>
                       </a:pPr>
                       <a:r>
-                        <a:rPr lang="en-US" sz="2000" kern="0">
+                        <a:rPr lang="en-US" sz="2000" kern="0" dirty="0">
                           <a:effectLst/>
                         </a:rPr>
-                        <a:t>Const wchar_t*</a:t>
+                        <a:t>const </a:t>
                       </a:r>
-                      <a:endParaRPr lang="zh-CN" sz="2000" kern="100">
+                      <a:r>
+                        <a:rPr lang="en-US" sz="2000" kern="0" dirty="0" err="1">
+                          <a:effectLst/>
+                        </a:rPr>
+                        <a:t>wchar_t</a:t>
+                      </a:r>
+                      <a:r>
+                        <a:rPr lang="en-US" sz="2000" kern="0" dirty="0">
+                          <a:effectLst/>
+                        </a:rPr>
+                        <a:t>*</a:t>
+                      </a:r>
+                      <a:endParaRPr lang="zh-CN" sz="2000" kern="100" dirty="0">
                         <a:effectLst/>
                         <a:latin typeface="Calibri" panose="020F0502020204030204" pitchFamily="34" charset="0"/>
                         <a:ea typeface="宋体" panose="02010600030101010101" pitchFamily="2" charset="-122"/>
@@ -26174,12 +26134,12 @@
                         </a:spcAft>
                       </a:pPr>
                       <a:r>
-                        <a:rPr lang="en-US" sz="2000" kern="0">
+                        <a:rPr lang="en-US" sz="2000" kern="0" dirty="0">
                           <a:effectLst/>
                         </a:rPr>
-                        <a:t>Float</a:t>
+                        <a:t>float</a:t>
                       </a:r>
-                      <a:endParaRPr lang="zh-CN" sz="2000" kern="100">
+                      <a:endParaRPr lang="zh-CN" sz="2000" kern="100" dirty="0">
                         <a:effectLst/>
                         <a:latin typeface="Calibri" panose="020F0502020204030204" pitchFamily="34" charset="0"/>
                         <a:ea typeface="宋体" panose="02010600030101010101" pitchFamily="2" charset="-122"/>
@@ -26317,7 +26277,7 @@
                         <a:rPr lang="en-US" sz="2000" kern="0" dirty="0">
                           <a:effectLst/>
                         </a:rPr>
-                        <a:t>Double</a:t>
+                        <a:t>double</a:t>
                       </a:r>
                       <a:endParaRPr lang="zh-CN" sz="2000" kern="100" dirty="0">
                         <a:effectLst/>
@@ -26591,56 +26551,6 @@
               <a:effectLst/>
               <a:latin typeface="Segoe UI" panose="020B0502040204020203" pitchFamily="34" charset="0"/>
             </a:endParaRPr>
-          </a:p>
-        </p:txBody>
-      </p:sp>
-      <p:sp>
-        <p:nvSpPr>
-          <p:cNvPr id="2" name="文本占位符 1">
-            <a:extLst>
-              <a:ext uri="{FF2B5EF4-FFF2-40B4-BE49-F238E27FC236}">
-                <a16:creationId xmlns:a16="http://schemas.microsoft.com/office/drawing/2014/main" id="{FFC6E9F3-7B85-484A-A1E4-53B14F76E4A9}"/>
-              </a:ext>
-            </a:extLst>
-          </p:cNvPr>
-          <p:cNvSpPr>
-            <a:spLocks noGrp="1"/>
-          </p:cNvSpPr>
-          <p:nvPr>
-            <p:ph type="body" sz="quarter" idx="10"/>
-          </p:nvPr>
-        </p:nvSpPr>
-        <p:spPr/>
-        <p:txBody>
-          <a:bodyPr/>
-          <a:lstStyle/>
-          <a:p>
-            <a:endParaRPr lang="zh-CN" altLang="en-US"/>
-          </a:p>
-        </p:txBody>
-      </p:sp>
-      <p:sp>
-        <p:nvSpPr>
-          <p:cNvPr id="5" name="标题 4">
-            <a:extLst>
-              <a:ext uri="{FF2B5EF4-FFF2-40B4-BE49-F238E27FC236}">
-                <a16:creationId xmlns:a16="http://schemas.microsoft.com/office/drawing/2014/main" id="{963B4033-94AC-4B80-9B64-CE0326AE0B64}"/>
-              </a:ext>
-            </a:extLst>
-          </p:cNvPr>
-          <p:cNvSpPr>
-            <a:spLocks noGrp="1"/>
-          </p:cNvSpPr>
-          <p:nvPr>
-            <p:ph type="title" idx="4294967295"/>
-          </p:nvPr>
-        </p:nvSpPr>
-        <p:spPr/>
-        <p:txBody>
-          <a:bodyPr/>
-          <a:lstStyle/>
-          <a:p>
-            <a:endParaRPr lang="zh-CN" altLang="en-US"/>
           </a:p>
         </p:txBody>
       </p:sp>
@@ -27875,7 +27785,12 @@
             <p:ph type="title" idx="4294967295"/>
           </p:nvPr>
         </p:nvSpPr>
-        <p:spPr/>
+        <p:spPr>
+          <a:xfrm>
+            <a:off x="838200" y="15498"/>
+            <a:ext cx="10515600" cy="1325563"/>
+          </a:xfrm>
+        </p:spPr>
         <p:txBody>
           <a:bodyPr/>
           <a:lstStyle/>
@@ -28173,19 +28088,43 @@
           </a:lstStyle>
           <a:p>
             <a:r>
-              <a:rPr lang="zh-CN" altLang="en-US" sz="2800" dirty="0"/>
+              <a:rPr lang="zh-CN" altLang="en-US" sz="2800" dirty="0">
+                <a:solidFill>
+                  <a:schemeClr val="tx2">
+                    <a:lumMod val="75000"/>
+                  </a:schemeClr>
+                </a:solidFill>
+              </a:rPr>
               <a:t>使用</a:t>
             </a:r>
             <a:r>
-              <a:rPr lang="en-US" altLang="zh-CN" sz="2800" dirty="0"/>
+              <a:rPr lang="en-US" altLang="zh-CN" sz="2800" dirty="0">
+                <a:solidFill>
+                  <a:schemeClr val="tx2">
+                    <a:lumMod val="75000"/>
+                  </a:schemeClr>
+                </a:solidFill>
+              </a:rPr>
               <a:t>C++</a:t>
             </a:r>
             <a:r>
-              <a:rPr lang="zh-CN" altLang="en-US" sz="2800" dirty="0"/>
+              <a:rPr lang="zh-CN" altLang="en-US" sz="2800" dirty="0">
+                <a:solidFill>
+                  <a:schemeClr val="tx2">
+                    <a:lumMod val="75000"/>
+                  </a:schemeClr>
+                </a:solidFill>
+              </a:rPr>
               <a:t>创建类库</a:t>
             </a:r>
             <a:r>
-              <a:rPr lang="en-US" altLang="zh-CN" sz="2800" dirty="0"/>
+              <a:rPr lang="en-US" altLang="zh-CN" sz="2800" dirty="0">
+                <a:solidFill>
+                  <a:schemeClr val="tx2">
+                    <a:lumMod val="75000"/>
+                  </a:schemeClr>
+                </a:solidFill>
+              </a:rPr>
               <a:t>(DLL)</a:t>
             </a:r>
           </a:p>

--- a/slides/instruction/principleWindows_6.pptx
+++ b/slides/instruction/principleWindows_6.pptx
@@ -4351,6 +4351,171 @@
 </p:notes>
 </file>
 
+<file path=ppt/notesSlides/notesSlide8.xml><?xml version="1.0" encoding="utf-8"?>
+<p:notes xmlns:a="http://schemas.openxmlformats.org/drawingml/2006/main" xmlns:r="http://schemas.openxmlformats.org/officeDocument/2006/relationships" xmlns:p="http://schemas.openxmlformats.org/presentationml/2006/main">
+  <p:cSld>
+    <p:spTree>
+      <p:nvGrpSpPr>
+        <p:cNvPr id="1" name=""/>
+        <p:cNvGrpSpPr/>
+        <p:nvPr/>
+      </p:nvGrpSpPr>
+      <p:grpSpPr>
+        <a:xfrm>
+          <a:off x="0" y="0"/>
+          <a:ext cx="0" cy="0"/>
+          <a:chOff x="0" y="0"/>
+          <a:chExt cx="0" cy="0"/>
+        </a:xfrm>
+      </p:grpSpPr>
+      <p:sp>
+        <p:nvSpPr>
+          <p:cNvPr id="2" name="幻灯片图像占位符 1"/>
+          <p:cNvSpPr>
+            <a:spLocks noGrp="1" noRot="1" noChangeAspect="1"/>
+          </p:cNvSpPr>
+          <p:nvPr>
+            <p:ph type="sldImg"/>
+          </p:nvPr>
+        </p:nvSpPr>
+        <p:spPr/>
+      </p:sp>
+      <p:sp>
+        <p:nvSpPr>
+          <p:cNvPr id="3" name="备注占位符 2"/>
+          <p:cNvSpPr>
+            <a:spLocks noGrp="1"/>
+          </p:cNvSpPr>
+          <p:nvPr>
+            <p:ph type="body" idx="1"/>
+          </p:nvPr>
+        </p:nvSpPr>
+        <p:spPr/>
+        <p:txBody>
+          <a:bodyPr/>
+          <a:lstStyle/>
+          <a:p>
+            <a:r>
+              <a:rPr lang="en-US" altLang="zh-CN" dirty="0"/>
+              <a:t>https://docs.microsoft.com/en-us/dotnet/framework/interop/blittable-and-non-blittable-types?redirectedfrom=MSDN</a:t>
+            </a:r>
+          </a:p>
+          <a:p>
+            <a:endParaRPr lang="en-US" altLang="zh-CN" dirty="0"/>
+          </a:p>
+          <a:p>
+            <a:pPr algn="l"/>
+            <a:r>
+              <a:rPr lang="en-US" altLang="zh-CN" b="0" i="0" dirty="0">
+                <a:solidFill>
+                  <a:srgbClr val="E3E3E3"/>
+                </a:solidFill>
+                <a:effectLst/>
+                <a:latin typeface="Segoe UI" panose="020B0502040204020203" pitchFamily="34" charset="0"/>
+              </a:rPr>
+              <a:t>The following complex types are also blittable types:</a:t>
+            </a:r>
+          </a:p>
+          <a:p>
+            <a:pPr algn="l">
+              <a:buFont typeface="Arial" panose="020B0604020202020204" pitchFamily="34" charset="0"/>
+              <a:buChar char="•"/>
+            </a:pPr>
+            <a:r>
+              <a:rPr lang="en-US" altLang="zh-CN" b="0" i="0" dirty="0">
+                <a:solidFill>
+                  <a:srgbClr val="E3E3E3"/>
+                </a:solidFill>
+                <a:effectLst/>
+                <a:latin typeface="Segoe UI" panose="020B0502040204020203" pitchFamily="34" charset="0"/>
+              </a:rPr>
+              <a:t> One-dimensional arrays of blittable types, such as an array of integers. However, a type that contains a variable array of blittable types is not itself blittable.</a:t>
+            </a:r>
+          </a:p>
+          <a:p>
+            <a:pPr algn="l">
+              <a:buFont typeface="Arial" panose="020B0604020202020204" pitchFamily="34" charset="0"/>
+              <a:buChar char="•"/>
+            </a:pPr>
+            <a:r>
+              <a:rPr lang="en-US" altLang="zh-CN" b="0" i="0" dirty="0">
+                <a:solidFill>
+                  <a:srgbClr val="E3E3E3"/>
+                </a:solidFill>
+                <a:effectLst/>
+                <a:latin typeface="Segoe UI" panose="020B0502040204020203" pitchFamily="34" charset="0"/>
+              </a:rPr>
+              <a:t> Formatted value types that contain only blittable types (and classes if they are marshaled as formatted types). For more information about formatted value types, see </a:t>
+            </a:r>
+            <a:r>
+              <a:rPr lang="en-US" altLang="zh-CN" b="0" i="0" u="none" strike="noStrike" dirty="0">
+                <a:solidFill>
+                  <a:srgbClr val="E3E3E3"/>
+                </a:solidFill>
+                <a:effectLst/>
+                <a:latin typeface="Segoe UI" panose="020B0502040204020203" pitchFamily="34" charset="0"/>
+                <a:hlinkClick r:id="rId3">
+                  <a:extLst>
+                    <a:ext uri="{A12FA001-AC4F-418D-AE19-62706E023703}">
+                      <ahyp:hlinkClr xmlns:ahyp="http://schemas.microsoft.com/office/drawing/2018/hyperlinkcolor" val="tx"/>
+                    </a:ext>
+                  </a:extLst>
+                </a:hlinkClick>
+              </a:rPr>
+              <a:t>Default marshaling for value types</a:t>
+            </a:r>
+            <a:r>
+              <a:rPr lang="en-US" altLang="zh-CN" b="0" i="0" dirty="0">
+                <a:solidFill>
+                  <a:srgbClr val="E3E3E3"/>
+                </a:solidFill>
+                <a:effectLst/>
+                <a:latin typeface="Segoe UI" panose="020B0502040204020203" pitchFamily="34" charset="0"/>
+              </a:rPr>
+              <a:t>.</a:t>
+            </a:r>
+          </a:p>
+          <a:p>
+            <a:endParaRPr lang="zh-CN" altLang="en-US" dirty="0"/>
+          </a:p>
+        </p:txBody>
+      </p:sp>
+      <p:sp>
+        <p:nvSpPr>
+          <p:cNvPr id="4" name="灯片编号占位符 3"/>
+          <p:cNvSpPr>
+            <a:spLocks noGrp="1"/>
+          </p:cNvSpPr>
+          <p:nvPr>
+            <p:ph type="sldNum" sz="quarter" idx="5"/>
+          </p:nvPr>
+        </p:nvSpPr>
+        <p:spPr/>
+        <p:txBody>
+          <a:bodyPr/>
+          <a:lstStyle/>
+          <a:p>
+            <a:fld id="{FF6B7014-1CA7-42FF-9E69-87C27AE33F47}" type="slidenum">
+              <a:rPr lang="zh-CN" altLang="en-US" smtClean="0"/>
+              <a:t>36</a:t>
+            </a:fld>
+            <a:endParaRPr lang="zh-CN" altLang="en-US"/>
+          </a:p>
+        </p:txBody>
+      </p:sp>
+    </p:spTree>
+    <p:extLst>
+      <p:ext uri="{BB962C8B-B14F-4D97-AF65-F5344CB8AC3E}">
+        <p14:creationId xmlns:p14="http://schemas.microsoft.com/office/powerpoint/2010/main" val="3267480669"/>
+      </p:ext>
+    </p:extLst>
+  </p:cSld>
+  <p:clrMapOvr>
+    <a:masterClrMapping/>
+  </p:clrMapOvr>
+</p:notes>
+</file>
+
 <file path=ppt/slideLayouts/slideLayout1.xml><?xml version="1.0" encoding="utf-8"?>
 <p:sldLayout xmlns:a="http://schemas.openxmlformats.org/drawingml/2006/main" xmlns:r="http://schemas.openxmlformats.org/officeDocument/2006/relationships" xmlns:p="http://schemas.openxmlformats.org/presentationml/2006/main" type="title" preserve="1">
   <p:cSld name="标题幻灯片">

--- a/slides/instruction/principleWindows_6.pptx
+++ b/slides/instruction/principleWindows_6.pptx
@@ -27887,26 +27887,50 @@
       </p:sp>
       <p:sp>
         <p:nvSpPr>
-          <p:cNvPr id="7" name="标题 6">
+          <p:cNvPr id="13" name="矩形 12">
             <a:extLst>
               <a:ext uri="{FF2B5EF4-FFF2-40B4-BE49-F238E27FC236}">
-                <a16:creationId xmlns:a16="http://schemas.microsoft.com/office/drawing/2014/main" id="{45FDE449-1B40-41E8-882D-21A2B867ED23}"/>
+                <a16:creationId xmlns:a16="http://schemas.microsoft.com/office/drawing/2014/main" id="{0510B93A-8DE4-458E-BCA9-D168A5865D81}"/>
               </a:ext>
             </a:extLst>
           </p:cNvPr>
-          <p:cNvSpPr>
-            <a:spLocks noGrp="1"/>
-          </p:cNvSpPr>
-          <p:nvPr>
-            <p:ph type="title" idx="4294967295"/>
-          </p:nvPr>
+          <p:cNvSpPr/>
+          <p:nvPr/>
         </p:nvSpPr>
-        <p:spPr/>
+        <p:spPr>
+          <a:xfrm>
+            <a:off x="9453759" y="1285452"/>
+            <a:ext cx="1398446" cy="307777"/>
+          </a:xfrm>
+          <a:prstGeom prst="rect">
+            <a:avLst/>
+          </a:prstGeom>
+        </p:spPr>
         <p:txBody>
-          <a:bodyPr/>
+          <a:bodyPr wrap="square">
+            <a:spAutoFit/>
+          </a:bodyPr>
           <a:lstStyle/>
           <a:p>
-            <a:endParaRPr lang="zh-CN" altLang="en-US"/>
+            <a:r>
+              <a:rPr lang="en-US" altLang="zh-CN" dirty="0" err="1">
+                <a:solidFill>
+                  <a:schemeClr val="accent2">
+                    <a:lumMod val="75000"/>
+                  </a:schemeClr>
+                </a:solidFill>
+                <a:latin typeface="Consolas" panose="020B0609020204030204" pitchFamily="49" charset="0"/>
+              </a:rPr>
+              <a:t>MarshalAs</a:t>
+            </a:r>
+            <a:endParaRPr lang="zh-CN" altLang="en-US" dirty="0">
+              <a:solidFill>
+                <a:schemeClr val="accent2">
+                  <a:lumMod val="75000"/>
+                </a:schemeClr>
+              </a:solidFill>
+              <a:latin typeface="Consolas" panose="020B0609020204030204" pitchFamily="49" charset="0"/>
+            </a:endParaRPr>
           </a:p>
         </p:txBody>
       </p:sp>
